--- a/Bai_2/báo cáo/báo cáo bài 2.pptx
+++ b/Bai_2/báo cáo/báo cáo bài 2.pptx
@@ -107,6 +107,11 @@
       </a:defRPr>
     </a:lvl9pPr>
   </p:defaultTextStyle>
+  <p:extLst>
+    <p:ext uri="{EFAFB233-063F-42B5-8137-9DF3F51BA10A}">
+      <p15:sldGuideLst xmlns:p15="http://schemas.microsoft.com/office/powerpoint/2012/main"/>
+    </p:ext>
+  </p:extLst>
 </p:presentation>
 </file>
 
@@ -4943,7 +4948,7 @@
           <p:nvPr>
             <p:extLst>
               <p:ext uri="{D42A27DB-BD31-4B8C-83A1-F6EECF244321}">
-                <p14:modId xmlns:p14="http://schemas.microsoft.com/office/powerpoint/2010/main" val="3878720840"/>
+                <p14:modId xmlns:p14="http://schemas.microsoft.com/office/powerpoint/2010/main" val="2427692934"/>
               </p:ext>
             </p:extLst>
           </p:nvPr>
@@ -5199,8 +5204,29 @@
                           <a:ea typeface="+mn-ea"/>
                           <a:cs typeface="+mn-cs"/>
                         </a:rPr>
-                        <a:t>Epochs = 32</a:t>
-                      </a:r>
+                        <a:t>Epochs </a:t>
+                      </a:r>
+                      <a:r>
+                        <a:rPr lang="en-US" sz="1400" b="0" kern="1200">
+                          <a:solidFill>
+                            <a:schemeClr val="dk1"/>
+                          </a:solidFill>
+                          <a:effectLst/>
+                          <a:latin typeface="+mn-lt"/>
+                          <a:ea typeface="+mn-ea"/>
+                          <a:cs typeface="+mn-cs"/>
+                        </a:rPr>
+                        <a:t>= 25</a:t>
+                      </a:r>
+                      <a:endParaRPr lang="en-US" sz="1400" b="0" kern="1200" dirty="0">
+                        <a:solidFill>
+                          <a:schemeClr val="dk1"/>
+                        </a:solidFill>
+                        <a:effectLst/>
+                        <a:latin typeface="+mn-lt"/>
+                        <a:ea typeface="+mn-ea"/>
+                        <a:cs typeface="+mn-cs"/>
+                      </a:endParaRPr>
                     </a:p>
                   </a:txBody>
                   <a:tcPr/>
